--- a/投递/胡景峰.pptx
+++ b/投递/胡景峰.pptx
@@ -215,7 +215,7 @@
           <a:p>
             <a:fld id="{6A0BFF84-2638-4C96-BF00-009507EB25B1}" type="datetimeFigureOut">
               <a:rPr lang="zh-CN" altLang="en-US" smtClean="0"/>
-              <a:t>2025/3/20</a:t>
+              <a:t>2025/3/24</a:t>
             </a:fld>
             <a:endParaRPr lang="zh-CN" altLang="en-US"/>
           </a:p>
@@ -758,7 +758,7 @@
           <a:p>
             <a:fld id="{D997B5FA-0921-464F-AAE1-844C04324D75}" type="datetimeFigureOut">
               <a:rPr lang="zh-CN" altLang="en-US" smtClean="0"/>
-              <a:t>2025/3/20</a:t>
+              <a:t>2025/3/24</a:t>
             </a:fld>
             <a:endParaRPr lang="zh-CN" altLang="en-US"/>
           </a:p>
@@ -928,7 +928,7 @@
           <a:p>
             <a:fld id="{D997B5FA-0921-464F-AAE1-844C04324D75}" type="datetimeFigureOut">
               <a:rPr lang="zh-CN" altLang="en-US" smtClean="0"/>
-              <a:t>2025/3/20</a:t>
+              <a:t>2025/3/24</a:t>
             </a:fld>
             <a:endParaRPr lang="zh-CN" altLang="en-US"/>
           </a:p>
@@ -1108,7 +1108,7 @@
           <a:p>
             <a:fld id="{D997B5FA-0921-464F-AAE1-844C04324D75}" type="datetimeFigureOut">
               <a:rPr lang="zh-CN" altLang="en-US" smtClean="0"/>
-              <a:t>2025/3/20</a:t>
+              <a:t>2025/3/24</a:t>
             </a:fld>
             <a:endParaRPr lang="zh-CN" altLang="en-US"/>
           </a:p>
@@ -1689,7 +1689,7 @@
           <a:p>
             <a:fld id="{D997B5FA-0921-464F-AAE1-844C04324D75}" type="datetimeFigureOut">
               <a:rPr lang="zh-CN" altLang="en-US" smtClean="0"/>
-              <a:t>2025/3/20</a:t>
+              <a:t>2025/3/24</a:t>
             </a:fld>
             <a:endParaRPr lang="zh-CN" altLang="en-US"/>
           </a:p>
@@ -1935,7 +1935,7 @@
           <a:p>
             <a:fld id="{D997B5FA-0921-464F-AAE1-844C04324D75}" type="datetimeFigureOut">
               <a:rPr lang="zh-CN" altLang="en-US" smtClean="0"/>
-              <a:t>2025/3/20</a:t>
+              <a:t>2025/3/24</a:t>
             </a:fld>
             <a:endParaRPr lang="zh-CN" altLang="en-US"/>
           </a:p>
@@ -2167,7 +2167,7 @@
           <a:p>
             <a:fld id="{D997B5FA-0921-464F-AAE1-844C04324D75}" type="datetimeFigureOut">
               <a:rPr lang="zh-CN" altLang="en-US" smtClean="0"/>
-              <a:t>2025/3/20</a:t>
+              <a:t>2025/3/24</a:t>
             </a:fld>
             <a:endParaRPr lang="zh-CN" altLang="en-US"/>
           </a:p>
@@ -2534,7 +2534,7 @@
           <a:p>
             <a:fld id="{D997B5FA-0921-464F-AAE1-844C04324D75}" type="datetimeFigureOut">
               <a:rPr lang="zh-CN" altLang="en-US" smtClean="0"/>
-              <a:t>2025/3/20</a:t>
+              <a:t>2025/3/24</a:t>
             </a:fld>
             <a:endParaRPr lang="zh-CN" altLang="en-US"/>
           </a:p>
@@ -2652,7 +2652,7 @@
           <a:p>
             <a:fld id="{D997B5FA-0921-464F-AAE1-844C04324D75}" type="datetimeFigureOut">
               <a:rPr lang="zh-CN" altLang="en-US" smtClean="0"/>
-              <a:t>2025/3/20</a:t>
+              <a:t>2025/3/24</a:t>
             </a:fld>
             <a:endParaRPr lang="zh-CN" altLang="en-US"/>
           </a:p>
@@ -2747,7 +2747,7 @@
           <a:p>
             <a:fld id="{D997B5FA-0921-464F-AAE1-844C04324D75}" type="datetimeFigureOut">
               <a:rPr lang="zh-CN" altLang="en-US" smtClean="0"/>
-              <a:t>2025/3/20</a:t>
+              <a:t>2025/3/24</a:t>
             </a:fld>
             <a:endParaRPr lang="zh-CN" altLang="en-US"/>
           </a:p>
@@ -3024,7 +3024,7 @@
           <a:p>
             <a:fld id="{D997B5FA-0921-464F-AAE1-844C04324D75}" type="datetimeFigureOut">
               <a:rPr lang="zh-CN" altLang="en-US" smtClean="0"/>
-              <a:t>2025/3/20</a:t>
+              <a:t>2025/3/24</a:t>
             </a:fld>
             <a:endParaRPr lang="zh-CN" altLang="en-US"/>
           </a:p>
@@ -3281,7 +3281,7 @@
           <a:p>
             <a:fld id="{D997B5FA-0921-464F-AAE1-844C04324D75}" type="datetimeFigureOut">
               <a:rPr lang="zh-CN" altLang="en-US" smtClean="0"/>
-              <a:t>2025/3/20</a:t>
+              <a:t>2025/3/24</a:t>
             </a:fld>
             <a:endParaRPr lang="zh-CN" altLang="en-US"/>
           </a:p>
@@ -3494,7 +3494,7 @@
           <a:p>
             <a:fld id="{D997B5FA-0921-464F-AAE1-844C04324D75}" type="datetimeFigureOut">
               <a:rPr lang="zh-CN" altLang="en-US" smtClean="0"/>
-              <a:t>2025/3/20</a:t>
+              <a:t>2025/3/24</a:t>
             </a:fld>
             <a:endParaRPr lang="zh-CN" altLang="en-US"/>
           </a:p>
